--- a/ds_bot.pptx
+++ b/ds_bot.pptx
@@ -5,19 +5,20 @@
     <p:sldMasterId id="2147483648" r:id="rId4"/>
   </p:sldMasterIdLst>
   <p:notesMasterIdLst>
-    <p:notesMasterId r:id="rId12"/>
+    <p:notesMasterId r:id="rId13"/>
   </p:notesMasterIdLst>
   <p:handoutMasterIdLst>
-    <p:handoutMasterId r:id="rId13"/>
+    <p:handoutMasterId r:id="rId14"/>
   </p:handoutMasterIdLst>
   <p:sldIdLst>
     <p:sldId id="260" r:id="rId5"/>
     <p:sldId id="257" r:id="rId6"/>
     <p:sldId id="261" r:id="rId7"/>
-    <p:sldId id="262" r:id="rId8"/>
-    <p:sldId id="267" r:id="rId9"/>
-    <p:sldId id="268" r:id="rId10"/>
-    <p:sldId id="266" r:id="rId11"/>
+    <p:sldId id="269" r:id="rId8"/>
+    <p:sldId id="262" r:id="rId9"/>
+    <p:sldId id="267" r:id="rId10"/>
+    <p:sldId id="268" r:id="rId11"/>
+    <p:sldId id="266" r:id="rId12"/>
   </p:sldIdLst>
   <p:sldSz cx="12192000" cy="6858000"/>
   <p:notesSz cx="6858000" cy="9144000"/>
@@ -211,7 +212,7 @@
             <a:pPr rtl="0"/>
             <a:fld id="{0E749AC1-8D5E-4EB5-87AD-0760D45420E8}" type="datetime1">
               <a:rPr lang="ru-RU" noProof="1" smtClean="0"/>
-              <a:t>18.04.2022</a:t>
+              <a:t>21.04.2022</a:t>
             </a:fld>
             <a:endParaRPr lang="ru-RU" noProof="1"/>
           </a:p>
@@ -381,7 +382,7 @@
             <a:pPr rtl="0"/>
             <a:fld id="{0FC47C68-5B2F-42B5-95FE-C3031574EEB1}" type="datetime1">
               <a:rPr lang="ru-RU" noProof="1" smtClean="0"/>
-              <a:t>18.04.2022</a:t>
+              <a:t>21.04.2022</a:t>
             </a:fld>
             <a:endParaRPr lang="ru-RU" noProof="1"/>
           </a:p>
@@ -986,7 +987,7 @@
     </p:spTree>
     <p:extLst>
       <p:ext uri="{BB962C8B-B14F-4D97-AF65-F5344CB8AC3E}">
-        <p14:creationId xmlns:p14="http://schemas.microsoft.com/office/powerpoint/2010/main" val="2889134470"/>
+        <p14:creationId xmlns:p14="http://schemas.microsoft.com/office/powerpoint/2010/main" val="3191378134"/>
       </p:ext>
     </p:extLst>
   </p:cSld>
@@ -1072,7 +1073,7 @@
     </p:spTree>
     <p:extLst>
       <p:ext uri="{BB962C8B-B14F-4D97-AF65-F5344CB8AC3E}">
-        <p14:creationId xmlns:p14="http://schemas.microsoft.com/office/powerpoint/2010/main" val="1242271469"/>
+        <p14:creationId xmlns:p14="http://schemas.microsoft.com/office/powerpoint/2010/main" val="2889134470"/>
       </p:ext>
     </p:extLst>
   </p:cSld>
@@ -1158,7 +1159,7 @@
     </p:spTree>
     <p:extLst>
       <p:ext uri="{BB962C8B-B14F-4D97-AF65-F5344CB8AC3E}">
-        <p14:creationId xmlns:p14="http://schemas.microsoft.com/office/powerpoint/2010/main" val="3172975635"/>
+        <p14:creationId xmlns:p14="http://schemas.microsoft.com/office/powerpoint/2010/main" val="1242271469"/>
       </p:ext>
     </p:extLst>
   </p:cSld>
@@ -1236,6 +1237,92 @@
             <a:fld id="{B524A772-5D94-4F12-8B86-44D4FB26368F}" type="slidenum">
               <a:rPr lang="ru-RU" noProof="1" smtClean="0"/>
               <a:t>7</a:t>
+            </a:fld>
+            <a:endParaRPr lang="ru-RU" noProof="1"/>
+          </a:p>
+        </p:txBody>
+      </p:sp>
+    </p:spTree>
+    <p:extLst>
+      <p:ext uri="{BB962C8B-B14F-4D97-AF65-F5344CB8AC3E}">
+        <p14:creationId xmlns:p14="http://schemas.microsoft.com/office/powerpoint/2010/main" val="3172975635"/>
+      </p:ext>
+    </p:extLst>
+  </p:cSld>
+  <p:clrMapOvr>
+    <a:masterClrMapping/>
+  </p:clrMapOvr>
+</p:notes>
+</file>
+
+<file path=ppt/notesSlides/notesSlide8.xml><?xml version="1.0" encoding="utf-8"?>
+<p:notes xmlns:a="http://schemas.openxmlformats.org/drawingml/2006/main" xmlns:r="http://schemas.openxmlformats.org/officeDocument/2006/relationships" xmlns:p="http://schemas.openxmlformats.org/presentationml/2006/main">
+  <p:cSld>
+    <p:spTree>
+      <p:nvGrpSpPr>
+        <p:cNvPr id="1" name=""/>
+        <p:cNvGrpSpPr/>
+        <p:nvPr/>
+      </p:nvGrpSpPr>
+      <p:grpSpPr>
+        <a:xfrm>
+          <a:off x="0" y="0"/>
+          <a:ext cx="0" cy="0"/>
+          <a:chOff x="0" y="0"/>
+          <a:chExt cx="0" cy="0"/>
+        </a:xfrm>
+      </p:grpSpPr>
+      <p:sp>
+        <p:nvSpPr>
+          <p:cNvPr id="2" name="Образ слайда 1"/>
+          <p:cNvSpPr>
+            <a:spLocks noGrp="1" noRot="1" noChangeAspect="1"/>
+          </p:cNvSpPr>
+          <p:nvPr>
+            <p:ph type="sldImg"/>
+          </p:nvPr>
+        </p:nvSpPr>
+        <p:spPr/>
+      </p:sp>
+      <p:sp>
+        <p:nvSpPr>
+          <p:cNvPr id="3" name="Заметки 2"/>
+          <p:cNvSpPr>
+            <a:spLocks noGrp="1"/>
+          </p:cNvSpPr>
+          <p:nvPr>
+            <p:ph type="body" idx="1"/>
+          </p:nvPr>
+        </p:nvSpPr>
+        <p:spPr/>
+        <p:txBody>
+          <a:bodyPr rtlCol="0"/>
+          <a:lstStyle/>
+          <a:p>
+            <a:pPr rtl="0"/>
+            <a:endParaRPr lang="ru-RU" noProof="1"/>
+          </a:p>
+        </p:txBody>
+      </p:sp>
+      <p:sp>
+        <p:nvSpPr>
+          <p:cNvPr id="4" name="Номер слайда 3"/>
+          <p:cNvSpPr>
+            <a:spLocks noGrp="1"/>
+          </p:cNvSpPr>
+          <p:nvPr>
+            <p:ph type="sldNum" sz="quarter" idx="10"/>
+          </p:nvPr>
+        </p:nvSpPr>
+        <p:spPr/>
+        <p:txBody>
+          <a:bodyPr rtlCol="0"/>
+          <a:lstStyle/>
+          <a:p>
+            <a:pPr rtl="0"/>
+            <a:fld id="{B524A772-5D94-4F12-8B86-44D4FB26368F}" type="slidenum">
+              <a:rPr lang="ru-RU" noProof="1" smtClean="0"/>
+              <a:t>8</a:t>
             </a:fld>
             <a:endParaRPr lang="ru-RU" noProof="1"/>
           </a:p>
@@ -1757,7 +1844,7 @@
             <a:pPr rtl="0"/>
             <a:fld id="{29DF47DE-273E-488A-93E0-A11ADEA9B9C9}" type="datetime1">
               <a:rPr lang="ru-RU" noProof="1" dirty="0" smtClean="0"/>
-              <a:t>18.04.2022</a:t>
+              <a:t>21.04.2022</a:t>
             </a:fld>
             <a:endParaRPr lang="ru-RU" noProof="1"/>
           </a:p>
@@ -2052,7 +2139,7 @@
             <a:pPr rtl="0"/>
             <a:fld id="{A8853DAC-4AF5-4288-9253-BF40FCA4C3DA}" type="datetime1">
               <a:rPr lang="ru-RU" noProof="1" smtClean="0"/>
-              <a:t>18.04.2022</a:t>
+              <a:t>21.04.2022</a:t>
             </a:fld>
             <a:endParaRPr lang="ru-RU" noProof="1"/>
           </a:p>
@@ -2299,7 +2386,7 @@
             <a:pPr rtl="0"/>
             <a:fld id="{72FF79C8-D3F6-4B0D-9805-10EDB1C5EE9C}" type="datetime1">
               <a:rPr lang="ru-RU" noProof="1" smtClean="0"/>
-              <a:t>18.04.2022</a:t>
+              <a:t>21.04.2022</a:t>
             </a:fld>
             <a:endParaRPr lang="ru-RU" noProof="1"/>
           </a:p>
@@ -2838,7 +2925,7 @@
             <a:pPr rtl="0"/>
             <a:fld id="{01A6AD39-F790-4AE9-A3C0-EDD83650A5A1}" type="datetime1">
               <a:rPr lang="ru-RU" noProof="1" smtClean="0"/>
-              <a:t>18.04.2022</a:t>
+              <a:t>21.04.2022</a:t>
             </a:fld>
             <a:endParaRPr lang="ru-RU" noProof="1"/>
           </a:p>
@@ -3085,7 +3172,7 @@
             <a:pPr rtl="0"/>
             <a:fld id="{7B79C875-68A5-416C-953F-6060E3FF922E}" type="datetime1">
               <a:rPr lang="ru-RU" noProof="1" smtClean="0"/>
-              <a:t>18.04.2022</a:t>
+              <a:t>21.04.2022</a:t>
             </a:fld>
             <a:endParaRPr lang="ru-RU" noProof="1"/>
           </a:p>
@@ -3616,7 +3703,7 @@
             <a:pPr rtl="0"/>
             <a:fld id="{25177B04-ADE3-4D48-9249-8F6469DAAEB4}" type="datetime1">
               <a:rPr lang="ru-RU" noProof="1" smtClean="0"/>
-              <a:t>18.04.2022</a:t>
+              <a:t>21.04.2022</a:t>
             </a:fld>
             <a:endParaRPr lang="ru-RU" noProof="1"/>
           </a:p>
@@ -3911,7 +3998,7 @@
             <a:pPr rtl="0"/>
             <a:fld id="{9CB7D222-3BB8-4073-BC98-464DC2B015F1}" type="datetime1">
               <a:rPr lang="ru-RU" noProof="1" smtClean="0"/>
-              <a:t>18.04.2022</a:t>
+              <a:t>21.04.2022</a:t>
             </a:fld>
             <a:endParaRPr lang="ru-RU" noProof="1"/>
           </a:p>
@@ -4083,7 +4170,7 @@
             <a:pPr rtl="0"/>
             <a:fld id="{983A6F1E-4417-474E-8283-614818F2A4DB}" type="datetime1">
               <a:rPr lang="ru-RU" noProof="1" smtClean="0"/>
-              <a:t>18.04.2022</a:t>
+              <a:t>21.04.2022</a:t>
             </a:fld>
             <a:endParaRPr lang="ru-RU" noProof="1"/>
           </a:p>
@@ -4261,7 +4348,7 @@
             <a:pPr rtl="0"/>
             <a:fld id="{6CE311C0-3E11-41B8-89EC-2FF5859D4CFC}" type="datetime1">
               <a:rPr lang="ru-RU" noProof="1" smtClean="0"/>
-              <a:t>18.04.2022</a:t>
+              <a:t>21.04.2022</a:t>
             </a:fld>
             <a:endParaRPr lang="ru-RU" noProof="1"/>
           </a:p>
@@ -4429,7 +4516,7 @@
             <a:pPr rtl="0"/>
             <a:fld id="{42370B76-9E69-4F47-AA69-EACE3D52D2E7}" type="datetime1">
               <a:rPr lang="ru-RU" noProof="1" dirty="0" smtClean="0"/>
-              <a:t>18.04.2022</a:t>
+              <a:t>21.04.2022</a:t>
             </a:fld>
             <a:endParaRPr lang="ru-RU" noProof="1"/>
           </a:p>
@@ -4679,7 +4766,7 @@
             <a:pPr rtl="0"/>
             <a:fld id="{7DD5ABB4-2D0E-4613-A5D0-676E93A46986}" type="datetime1">
               <a:rPr lang="ru-RU" noProof="1" dirty="0" smtClean="0"/>
-              <a:t>18.04.2022</a:t>
+              <a:t>21.04.2022</a:t>
             </a:fld>
             <a:endParaRPr lang="ru-RU" noProof="1"/>
           </a:p>
@@ -4973,7 +5060,7 @@
             <a:pPr rtl="0"/>
             <a:fld id="{1A600C73-E6E6-4667-B4A9-574C1A31D491}" type="datetime1">
               <a:rPr lang="ru-RU" noProof="1" dirty="0" smtClean="0"/>
-              <a:t>18.04.2022</a:t>
+              <a:t>21.04.2022</a:t>
             </a:fld>
             <a:endParaRPr lang="ru-RU" noProof="1"/>
           </a:p>
@@ -5412,7 +5499,7 @@
             <a:pPr rtl="0"/>
             <a:fld id="{ABD6C61B-4BC7-450B-B521-067888A271A6}" type="datetime1">
               <a:rPr lang="ru-RU" noProof="1" smtClean="0"/>
-              <a:t>18.04.2022</a:t>
+              <a:t>21.04.2022</a:t>
             </a:fld>
             <a:endParaRPr lang="ru-RU" noProof="1"/>
           </a:p>
@@ -5529,7 +5616,7 @@
             <a:pPr rtl="0"/>
             <a:fld id="{A7369D23-9ED2-4009-8E40-364295259D64}" type="datetime1">
               <a:rPr lang="ru-RU" noProof="1" smtClean="0"/>
-              <a:t>18.04.2022</a:t>
+              <a:t>21.04.2022</a:t>
             </a:fld>
             <a:endParaRPr lang="ru-RU" noProof="1"/>
           </a:p>
@@ -5623,7 +5710,7 @@
             <a:pPr rtl="0"/>
             <a:fld id="{5B259CA2-169F-4CFE-965D-8D91E640A109}" type="datetime1">
               <a:rPr lang="ru-RU" noProof="1" smtClean="0"/>
-              <a:t>18.04.2022</a:t>
+              <a:t>21.04.2022</a:t>
             </a:fld>
             <a:endParaRPr lang="ru-RU" noProof="1"/>
           </a:p>
@@ -5904,7 +5991,7 @@
             <a:pPr rtl="0"/>
             <a:fld id="{52509601-BFB2-4950-8529-7030D9D2783A}" type="datetime1">
               <a:rPr lang="ru-RU" noProof="1" smtClean="0"/>
-              <a:t>18.04.2022</a:t>
+              <a:t>21.04.2022</a:t>
             </a:fld>
             <a:endParaRPr lang="ru-RU" noProof="1"/>
           </a:p>
@@ -6194,7 +6281,7 @@
             <a:pPr rtl="0"/>
             <a:fld id="{66AD2D47-3985-403D-BB64-6B05FCF3CD18}" type="datetime1">
               <a:rPr lang="ru-RU" noProof="1" smtClean="0"/>
-              <a:t>18.04.2022</a:t>
+              <a:t>21.04.2022</a:t>
             </a:fld>
             <a:endParaRPr lang="ru-RU" noProof="1"/>
           </a:p>
@@ -6722,7 +6809,7 @@
             <a:pPr rtl="0"/>
             <a:fld id="{802C4E0A-C8FF-40F8-8BC6-6C75382E8759}" type="datetime1">
               <a:rPr lang="ru-RU" noProof="1" dirty="0" smtClean="0"/>
-              <a:t>18.04.2022</a:t>
+              <a:t>21.04.2022</a:t>
             </a:fld>
             <a:endParaRPr lang="ru-RU" noProof="1"/>
           </a:p>
@@ -7815,6 +7902,36 @@
           </a:p>
         </p:txBody>
       </p:sp>
+      <p:pic>
+        <p:nvPicPr>
+          <p:cNvPr id="7" name="Рисунок 6">
+            <a:extLst>
+              <a:ext uri="{FF2B5EF4-FFF2-40B4-BE49-F238E27FC236}">
+                <a16:creationId xmlns:a16="http://schemas.microsoft.com/office/drawing/2014/main" id="{B126263E-49D6-4DC2-BD0E-A38E5F6660E4}"/>
+              </a:ext>
+            </a:extLst>
+          </p:cNvPr>
+          <p:cNvPicPr>
+            <a:picLocks noChangeAspect="1"/>
+          </p:cNvPicPr>
+          <p:nvPr/>
+        </p:nvPicPr>
+        <p:blipFill>
+          <a:blip r:embed="rId3"/>
+          <a:stretch>
+            <a:fillRect/>
+          </a:stretch>
+        </p:blipFill>
+        <p:spPr>
+          <a:xfrm>
+            <a:off x="6842946" y="3265651"/>
+            <a:ext cx="1712860" cy="963484"/>
+          </a:xfrm>
+          <a:prstGeom prst="rect">
+            <a:avLst/>
+          </a:prstGeom>
+        </p:spPr>
+      </p:pic>
     </p:spTree>
     <p:extLst>
       <p:ext uri="{BB962C8B-B14F-4D97-AF65-F5344CB8AC3E}">
@@ -9001,99 +9118,8 @@
             </a:pPr>
             <a:r>
               <a:rPr lang="ru-RU" dirty="0"/>
-              <a:t>Принцип работы бота: весь функционал данной программы основан на классе </a:t>
-            </a:r>
-            <a:r>
-              <a:rPr lang="ru-RU" b="1" dirty="0" err="1"/>
-              <a:t>discord.Bot</a:t>
-            </a:r>
-            <a:r>
-              <a:rPr lang="ru-RU" dirty="0"/>
-              <a:t> и его методах. Он и является исполнителем всех команд.</a:t>
-            </a:r>
-            <a:br>
-              <a:rPr lang="ru-RU" dirty="0"/>
-            </a:br>
-            <a:br>
-              <a:rPr lang="ru-RU" dirty="0"/>
-            </a:br>
-            <a:r>
-              <a:rPr lang="en-US" b="1" dirty="0">
-                <a:highlight>
-                  <a:srgbClr val="FF00FF"/>
-                </a:highlight>
-              </a:rPr>
-              <a:t>class</a:t>
-            </a:r>
-            <a:r>
-              <a:rPr lang="en-US" dirty="0"/>
-              <a:t> @bot.command()</a:t>
-            </a:r>
-            <a:endParaRPr lang="ru-RU" dirty="0"/>
-          </a:p>
-          <a:p>
-            <a:endParaRPr lang="en-US" dirty="0">
-              <a:highlight>
-                <a:srgbClr val="FF00FF"/>
-              </a:highlight>
-            </a:endParaRPr>
-          </a:p>
-          <a:p>
-            <a:pPr marL="0" indent="0">
-              <a:buNone/>
-            </a:pPr>
-            <a:r>
-              <a:rPr lang="en-US" b="1" dirty="0">
-                <a:highlight>
-                  <a:srgbClr val="FF00FF"/>
-                </a:highlight>
-              </a:rPr>
-              <a:t>class</a:t>
-            </a:r>
-            <a:r>
-              <a:rPr lang="ru-RU" dirty="0"/>
-              <a:t> </a:t>
-            </a:r>
-            <a:r>
-              <a:rPr lang="en-US" dirty="0"/>
-              <a:t>@bot.event()</a:t>
-            </a:r>
-          </a:p>
-          <a:p>
-            <a:pPr marL="0" indent="0">
-              <a:buNone/>
-            </a:pPr>
-            <a:endParaRPr lang="en-US" sz="1800" noProof="1"/>
-          </a:p>
-          <a:p>
-            <a:pPr marL="0" indent="0">
-              <a:buNone/>
-            </a:pPr>
-            <a:r>
-              <a:rPr lang="en-US" b="1" dirty="0">
-                <a:highlight>
-                  <a:srgbClr val="FF00FF"/>
-                </a:highlight>
-              </a:rPr>
-              <a:t>class</a:t>
-            </a:r>
-            <a:r>
-              <a:rPr lang="en-US" b="1" dirty="0"/>
-              <a:t> </a:t>
-            </a:r>
-            <a:r>
-              <a:rPr lang="en-US" dirty="0"/>
-              <a:t>discord</a:t>
-            </a:r>
-            <a:r>
-              <a:rPr lang="ru-RU" dirty="0"/>
-              <a:t>.</a:t>
-            </a:r>
-            <a:r>
-              <a:rPr lang="en-US" dirty="0"/>
-              <a:t>Context</a:t>
-            </a:r>
-            <a:endParaRPr lang="ru-RU" dirty="0"/>
+              <a:t>Бот выполняет управляющие  и администрирующие функции такие как сбор данных о сервере, выдача предупреждений в случае нарушения правил и модерация чата. Так же бот отвечает за интерактивы на сервере для поддержания активности и мотивации пользователей посещать данный ему сервер.</a:t>
+            </a:r>
           </a:p>
         </p:txBody>
       </p:sp>
@@ -9625,34 +9651,19 @@
         <p:spPr>
           <a:xfrm>
             <a:off x="1018191" y="685801"/>
-            <a:ext cx="10080020" cy="1549400"/>
+            <a:ext cx="7411825" cy="1549400"/>
           </a:xfrm>
         </p:spPr>
         <p:txBody>
           <a:bodyPr rtlCol="0">
-            <a:normAutofit fontScale="90000"/>
+            <a:normAutofit/>
           </a:bodyPr>
           <a:lstStyle/>
           <a:p>
             <a:pPr algn="l"/>
             <a:r>
-              <a:rPr lang="en-US" b="1" dirty="0">
-                <a:highlight>
-                  <a:srgbClr val="FF00FF"/>
-                </a:highlight>
-              </a:rPr>
-              <a:t>class</a:t>
-            </a:r>
-            <a:r>
-              <a:rPr lang="en-US" dirty="0"/>
-              <a:t> @bot.command()</a:t>
-            </a:r>
-            <a:br>
-              <a:rPr lang="en-US" dirty="0"/>
-            </a:br>
-            <a:r>
-              <a:rPr lang="en-US" dirty="0"/>
-              <a:t>	</a:t>
+              <a:rPr lang="ru-RU" dirty="0"/>
+              <a:t>Принцип работы:</a:t>
             </a:r>
             <a:br>
               <a:rPr lang="ru-RU" dirty="0"/>
@@ -9693,46 +9704,107 @@
               <a:buNone/>
             </a:pPr>
             <a:r>
-              <a:rPr lang="ru-RU" noProof="1"/>
-              <a:t>Данный класс отвечает за создание специальных команд бота, которые использую пользователи.</a:t>
-            </a:r>
-          </a:p>
-        </p:txBody>
-      </p:sp>
-      <p:pic>
-        <p:nvPicPr>
-          <p:cNvPr id="4" name="Рисунок 3">
-            <a:extLst>
-              <a:ext uri="{FF2B5EF4-FFF2-40B4-BE49-F238E27FC236}">
-                <a16:creationId xmlns:a16="http://schemas.microsoft.com/office/drawing/2014/main" id="{789DFD83-725F-4A97-BC27-0AB4ACD3F12B}"/>
-              </a:ext>
-            </a:extLst>
-          </p:cNvPr>
-          <p:cNvPicPr>
-            <a:picLocks noChangeAspect="1"/>
-          </p:cNvPicPr>
-          <p:nvPr/>
-        </p:nvPicPr>
-        <p:blipFill>
-          <a:blip r:embed="rId3"/>
-          <a:stretch>
-            <a:fillRect/>
-          </a:stretch>
-        </p:blipFill>
-        <p:spPr>
-          <a:xfrm>
-            <a:off x="1089026" y="2445279"/>
-            <a:ext cx="6429371" cy="4067175"/>
-          </a:xfrm>
-          <a:prstGeom prst="rect">
-            <a:avLst/>
-          </a:prstGeom>
-        </p:spPr>
-      </p:pic>
+              <a:rPr lang="ru-RU" dirty="0"/>
+              <a:t>Весь функционал данной программы основан на классе </a:t>
+            </a:r>
+            <a:r>
+              <a:rPr lang="ru-RU" b="1" dirty="0" err="1"/>
+              <a:t>discord.Bot</a:t>
+            </a:r>
+            <a:r>
+              <a:rPr lang="ru-RU" dirty="0"/>
+              <a:t> и его методах. Он и является исполнителем всех команд.</a:t>
+            </a:r>
+            <a:br>
+              <a:rPr lang="ru-RU" dirty="0"/>
+            </a:br>
+            <a:br>
+              <a:rPr lang="ru-RU" dirty="0"/>
+            </a:br>
+            <a:r>
+              <a:rPr lang="en-US" b="1" dirty="0">
+                <a:highlight>
+                  <a:srgbClr val="FF00FF"/>
+                </a:highlight>
+              </a:rPr>
+              <a:t>class</a:t>
+            </a:r>
+            <a:r>
+              <a:rPr lang="en-US" dirty="0"/>
+              <a:t> @bot.command()</a:t>
+            </a:r>
+            <a:endParaRPr lang="ru-RU" dirty="0"/>
+          </a:p>
+          <a:p>
+            <a:endParaRPr lang="en-US" dirty="0">
+              <a:highlight>
+                <a:srgbClr val="FF00FF"/>
+              </a:highlight>
+            </a:endParaRPr>
+          </a:p>
+          <a:p>
+            <a:pPr marL="0" indent="0">
+              <a:buNone/>
+            </a:pPr>
+            <a:r>
+              <a:rPr lang="en-US" b="1" dirty="0">
+                <a:highlight>
+                  <a:srgbClr val="FF00FF"/>
+                </a:highlight>
+              </a:rPr>
+              <a:t>class</a:t>
+            </a:r>
+            <a:r>
+              <a:rPr lang="ru-RU" dirty="0"/>
+              <a:t> </a:t>
+            </a:r>
+            <a:r>
+              <a:rPr lang="en-US" dirty="0"/>
+              <a:t>@bot.event()</a:t>
+            </a:r>
+          </a:p>
+          <a:p>
+            <a:pPr marL="0" indent="0">
+              <a:buNone/>
+            </a:pPr>
+            <a:endParaRPr lang="en-US" sz="1800" noProof="1"/>
+          </a:p>
+          <a:p>
+            <a:pPr marL="0" indent="0">
+              <a:buNone/>
+            </a:pPr>
+            <a:r>
+              <a:rPr lang="en-US" b="1" dirty="0">
+                <a:highlight>
+                  <a:srgbClr val="FF00FF"/>
+                </a:highlight>
+              </a:rPr>
+              <a:t>class</a:t>
+            </a:r>
+            <a:r>
+              <a:rPr lang="en-US" b="1" dirty="0"/>
+              <a:t> </a:t>
+            </a:r>
+            <a:r>
+              <a:rPr lang="en-US" dirty="0"/>
+              <a:t>discord</a:t>
+            </a:r>
+            <a:r>
+              <a:rPr lang="ru-RU" dirty="0"/>
+              <a:t>.</a:t>
+            </a:r>
+            <a:r>
+              <a:rPr lang="en-US" dirty="0"/>
+              <a:t>Context</a:t>
+            </a:r>
+            <a:endParaRPr lang="ru-RU" dirty="0"/>
+          </a:p>
+        </p:txBody>
+      </p:sp>
     </p:spTree>
     <p:extLst>
       <p:ext uri="{BB962C8B-B14F-4D97-AF65-F5344CB8AC3E}">
-        <p14:creationId xmlns:p14="http://schemas.microsoft.com/office/powerpoint/2010/main" val="634628102"/>
+        <p14:creationId xmlns:p14="http://schemas.microsoft.com/office/powerpoint/2010/main" val="3047947096"/>
       </p:ext>
     </p:extLst>
   </p:cSld>
@@ -10277,7 +10349,7 @@
             </a:r>
             <a:r>
               <a:rPr lang="en-US" dirty="0"/>
-              <a:t> @bot.event()</a:t>
+              <a:t> @bot.command()</a:t>
             </a:r>
             <a:br>
               <a:rPr lang="en-US" dirty="0"/>
@@ -10326,25 +10398,17 @@
             </a:pPr>
             <a:r>
               <a:rPr lang="ru-RU" noProof="1"/>
-              <a:t>Данный класс отвечает за создание специальных</a:t>
-            </a:r>
-            <a:r>
-              <a:rPr lang="en-US" noProof="1"/>
-              <a:t> </a:t>
-            </a:r>
-            <a:r>
-              <a:rPr lang="ru-RU" noProof="1"/>
-              <a:t>функций, которые работают в фоне и получают инфорсацию о соостоянии сервера.</a:t>
+              <a:t>Данный класс отвечает за создание специальных команд бота, которые использую пользователи.</a:t>
             </a:r>
           </a:p>
         </p:txBody>
       </p:sp>
       <p:pic>
         <p:nvPicPr>
-          <p:cNvPr id="5" name="Рисунок 4">
+          <p:cNvPr id="4" name="Рисунок 3">
             <a:extLst>
               <a:ext uri="{FF2B5EF4-FFF2-40B4-BE49-F238E27FC236}">
-                <a16:creationId xmlns:a16="http://schemas.microsoft.com/office/drawing/2014/main" id="{C8051A82-E3F2-4F6E-BF5A-3D235229E58E}"/>
+                <a16:creationId xmlns:a16="http://schemas.microsoft.com/office/drawing/2014/main" id="{789DFD83-725F-4A97-BC27-0AB4ACD3F12B}"/>
               </a:ext>
             </a:extLst>
           </p:cNvPr>
@@ -10361,8 +10425,8 @@
         </p:blipFill>
         <p:spPr>
           <a:xfrm>
-            <a:off x="1085847" y="3031066"/>
-            <a:ext cx="6675440" cy="3205899"/>
+            <a:off x="1089026" y="2445279"/>
+            <a:ext cx="6429371" cy="4067175"/>
           </a:xfrm>
           <a:prstGeom prst="rect">
             <a:avLst/>
@@ -10372,7 +10436,7 @@
     </p:spTree>
     <p:extLst>
       <p:ext uri="{BB962C8B-B14F-4D97-AF65-F5344CB8AC3E}">
-        <p14:creationId xmlns:p14="http://schemas.microsoft.com/office/powerpoint/2010/main" val="4284799738"/>
+        <p14:creationId xmlns:p14="http://schemas.microsoft.com/office/powerpoint/2010/main" val="634628102"/>
       </p:ext>
     </p:extLst>
   </p:cSld>
@@ -10916,6 +10980,646 @@
               <a:t>class</a:t>
             </a:r>
             <a:r>
+              <a:rPr lang="en-US" dirty="0"/>
+              <a:t> @bot.event()</a:t>
+            </a:r>
+            <a:br>
+              <a:rPr lang="en-US" dirty="0"/>
+            </a:br>
+            <a:r>
+              <a:rPr lang="en-US" dirty="0"/>
+              <a:t>	</a:t>
+            </a:r>
+            <a:br>
+              <a:rPr lang="ru-RU" dirty="0"/>
+            </a:br>
+            <a:endParaRPr lang="ru-RU" dirty="0"/>
+          </a:p>
+        </p:txBody>
+      </p:sp>
+      <p:sp>
+        <p:nvSpPr>
+          <p:cNvPr id="3" name="Объект 2">
+            <a:extLst>
+              <a:ext uri="{FF2B5EF4-FFF2-40B4-BE49-F238E27FC236}">
+                <a16:creationId xmlns:a16="http://schemas.microsoft.com/office/drawing/2014/main" id="{60DFF4FA-F598-4962-B6AB-31A8BE724E52}"/>
+              </a:ext>
+            </a:extLst>
+          </p:cNvPr>
+          <p:cNvSpPr>
+            <a:spLocks noGrp="1"/>
+          </p:cNvSpPr>
+          <p:nvPr>
+            <p:ph idx="1"/>
+          </p:nvPr>
+        </p:nvSpPr>
+        <p:spPr>
+          <a:xfrm>
+            <a:off x="1013429" y="1561405"/>
+            <a:ext cx="7243603" cy="5161128"/>
+          </a:xfrm>
+        </p:spPr>
+        <p:txBody>
+          <a:bodyPr rtlCol="0" anchor="t">
+            <a:normAutofit/>
+          </a:bodyPr>
+          <a:lstStyle/>
+          <a:p>
+            <a:pPr marL="0" indent="0">
+              <a:buNone/>
+            </a:pPr>
+            <a:r>
+              <a:rPr lang="ru-RU" noProof="1"/>
+              <a:t>Данный класс отвечает за создание специальных</a:t>
+            </a:r>
+            <a:r>
+              <a:rPr lang="en-US" noProof="1"/>
+              <a:t> </a:t>
+            </a:r>
+            <a:r>
+              <a:rPr lang="ru-RU" noProof="1"/>
+              <a:t>функций, которые работают в фоне и получают инфорсацию о соостоянии сервера.</a:t>
+            </a:r>
+          </a:p>
+        </p:txBody>
+      </p:sp>
+      <p:pic>
+        <p:nvPicPr>
+          <p:cNvPr id="5" name="Рисунок 4">
+            <a:extLst>
+              <a:ext uri="{FF2B5EF4-FFF2-40B4-BE49-F238E27FC236}">
+                <a16:creationId xmlns:a16="http://schemas.microsoft.com/office/drawing/2014/main" id="{C8051A82-E3F2-4F6E-BF5A-3D235229E58E}"/>
+              </a:ext>
+            </a:extLst>
+          </p:cNvPr>
+          <p:cNvPicPr>
+            <a:picLocks noChangeAspect="1"/>
+          </p:cNvPicPr>
+          <p:nvPr/>
+        </p:nvPicPr>
+        <p:blipFill>
+          <a:blip r:embed="rId3"/>
+          <a:stretch>
+            <a:fillRect/>
+          </a:stretch>
+        </p:blipFill>
+        <p:spPr>
+          <a:xfrm>
+            <a:off x="1085847" y="3031066"/>
+            <a:ext cx="6675440" cy="3205899"/>
+          </a:xfrm>
+          <a:prstGeom prst="rect">
+            <a:avLst/>
+          </a:prstGeom>
+        </p:spPr>
+      </p:pic>
+    </p:spTree>
+    <p:extLst>
+      <p:ext uri="{BB962C8B-B14F-4D97-AF65-F5344CB8AC3E}">
+        <p14:creationId xmlns:p14="http://schemas.microsoft.com/office/powerpoint/2010/main" val="4284799738"/>
+      </p:ext>
+    </p:extLst>
+  </p:cSld>
+  <p:clrMapOvr>
+    <a:overrideClrMapping bg1="dk1" tx1="lt1" bg2="dk2" tx2="lt2" accent1="accent1" accent2="accent2" accent3="accent3" accent4="accent4" accent5="accent5" accent6="accent6" hlink="hlink" folHlink="folHlink"/>
+  </p:clrMapOvr>
+</p:sld>
+</file>
+
+<file path=ppt/slides/slide7.xml><?xml version="1.0" encoding="utf-8"?>
+<p:sld xmlns:a="http://schemas.openxmlformats.org/drawingml/2006/main" xmlns:r="http://schemas.openxmlformats.org/officeDocument/2006/relationships" xmlns:p="http://schemas.openxmlformats.org/presentationml/2006/main">
+  <p:cSld>
+    <p:bg>
+      <p:bgPr>
+        <a:solidFill>
+          <a:schemeClr val="bg2"/>
+        </a:solidFill>
+        <a:effectLst/>
+      </p:bgPr>
+    </p:bg>
+    <p:spTree>
+      <p:nvGrpSpPr>
+        <p:cNvPr id="1" name=""/>
+        <p:cNvGrpSpPr/>
+        <p:nvPr/>
+      </p:nvGrpSpPr>
+      <p:grpSpPr>
+        <a:xfrm>
+          <a:off x="0" y="0"/>
+          <a:ext cx="0" cy="0"/>
+          <a:chOff x="0" y="0"/>
+          <a:chExt cx="0" cy="0"/>
+        </a:xfrm>
+      </p:grpSpPr>
+      <p:sp useBgFill="1">
+        <p:nvSpPr>
+          <p:cNvPr id="21" name="Прямоугольник 20">
+            <a:extLst>
+              <a:ext uri="{FF2B5EF4-FFF2-40B4-BE49-F238E27FC236}">
+                <a16:creationId xmlns:a16="http://schemas.microsoft.com/office/drawing/2014/main" id="{99CAC3B1-4879-424D-8F15-206277196159}"/>
+              </a:ext>
+              <a:ext uri="{C183D7F6-B498-43B3-948B-1728B52AA6E4}">
+                <adec:decorative xmlns:adec="http://schemas.microsoft.com/office/drawing/2017/decorative" val="1"/>
+              </a:ext>
+            </a:extLst>
+          </p:cNvPr>
+          <p:cNvSpPr>
+            <a:spLocks noGrp="1" noRot="1" noChangeAspect="1" noMove="1" noResize="1" noEditPoints="1" noAdjustHandles="1" noChangeArrowheads="1" noChangeShapeType="1" noTextEdit="1"/>
+          </p:cNvSpPr>
+          <p:nvPr>
+            <p:extLst>
+              <p:ext uri="{386F3935-93C4-4BCD-93E2-E3B085C9AB24}">
+                <p16:designElem xmlns:p16="http://schemas.microsoft.com/office/powerpoint/2015/main" val="1"/>
+              </p:ext>
+            </p:extLst>
+          </p:nvPr>
+        </p:nvSpPr>
+        <p:spPr>
+          <a:xfrm>
+            <a:off x="0" y="0"/>
+            <a:ext cx="12192000" cy="6858000"/>
+          </a:xfrm>
+          <a:prstGeom prst="rect">
+            <a:avLst/>
+          </a:prstGeom>
+          <a:ln>
+            <a:noFill/>
+          </a:ln>
+        </p:spPr>
+        <p:style>
+          <a:lnRef idx="2">
+            <a:schemeClr val="accent1">
+              <a:shade val="50000"/>
+            </a:schemeClr>
+          </a:lnRef>
+          <a:fillRef idx="1">
+            <a:schemeClr val="accent1"/>
+          </a:fillRef>
+          <a:effectRef idx="0">
+            <a:schemeClr val="accent1"/>
+          </a:effectRef>
+          <a:fontRef idx="minor">
+            <a:schemeClr val="lt1"/>
+          </a:fontRef>
+        </p:style>
+        <p:txBody>
+          <a:bodyPr rtlCol="0" anchor="ctr"/>
+          <a:lstStyle/>
+          <a:p>
+            <a:pPr algn="ctr" rtl="0"/>
+            <a:endParaRPr lang="ru-RU" noProof="1"/>
+          </a:p>
+        </p:txBody>
+      </p:sp>
+      <p:grpSp>
+        <p:nvGrpSpPr>
+          <p:cNvPr id="23" name="Группа 22">
+            <a:extLst>
+              <a:ext uri="{FF2B5EF4-FFF2-40B4-BE49-F238E27FC236}">
+                <a16:creationId xmlns:a16="http://schemas.microsoft.com/office/drawing/2014/main" id="{4B8492CB-DFBA-4A82-9778-F21493DA36C1}"/>
+              </a:ext>
+              <a:ext uri="{C183D7F6-B498-43B3-948B-1728B52AA6E4}">
+                <adec:decorative xmlns:adec="http://schemas.microsoft.com/office/drawing/2017/decorative" val="1"/>
+              </a:ext>
+            </a:extLst>
+          </p:cNvPr>
+          <p:cNvGrpSpPr>
+            <a:grpSpLocks noGrp="1" noUngrp="1" noRot="1" noChangeAspect="1" noMove="1" noResize="1"/>
+          </p:cNvGrpSpPr>
+          <p:nvPr>
+            <p:extLst>
+              <p:ext uri="{386F3935-93C4-4BCD-93E2-E3B085C9AB24}">
+                <p16:designElem xmlns:p16="http://schemas.microsoft.com/office/powerpoint/2015/main" val="1"/>
+              </p:ext>
+            </p:extLst>
+          </p:nvPr>
+        </p:nvGrpSpPr>
+        <p:grpSpPr>
+          <a:xfrm flipH="1">
+            <a:off x="6526211" y="0"/>
+            <a:ext cx="5014912" cy="6862763"/>
+            <a:chOff x="2928938" y="-4763"/>
+            <a:chExt cx="5014912" cy="6862763"/>
+          </a:xfrm>
+        </p:grpSpPr>
+        <p:sp>
+          <p:nvSpPr>
+            <p:cNvPr id="24" name="Полилиния 6">
+              <a:extLst>
+                <a:ext uri="{FF2B5EF4-FFF2-40B4-BE49-F238E27FC236}">
+                  <a16:creationId xmlns:a16="http://schemas.microsoft.com/office/drawing/2014/main" id="{E34CC1C8-EBDD-4AEA-83E6-B27575B62E2E}"/>
+                </a:ext>
+                <a:ext uri="{C183D7F6-B498-43B3-948B-1728B52AA6E4}">
+                  <adec:decorative xmlns:adec="http://schemas.microsoft.com/office/drawing/2017/decorative" val="1"/>
+                </a:ext>
+              </a:extLst>
+            </p:cNvPr>
+            <p:cNvSpPr/>
+            <p:nvPr>
+              <p:extLst>
+                <p:ext uri="{386F3935-93C4-4BCD-93E2-E3B085C9AB24}">
+                  <p16:designElem xmlns:p16="http://schemas.microsoft.com/office/powerpoint/2015/main" val="1"/>
+                </p:ext>
+              </p:extLst>
+            </p:nvPr>
+          </p:nvSpPr>
+          <p:spPr bwMode="auto">
+            <a:xfrm>
+              <a:off x="3367088" y="-4763"/>
+              <a:ext cx="1063625" cy="2782888"/>
+            </a:xfrm>
+            <a:custGeom>
+              <a:avLst/>
+              <a:gdLst/>
+              <a:ahLst/>
+              <a:cxnLst/>
+              <a:rect l="0" t="0" r="r" b="b"/>
+              <a:pathLst>
+                <a:path w="670" h="1753">
+                  <a:moveTo>
+                    <a:pt x="0" y="1696"/>
+                  </a:moveTo>
+                  <a:lnTo>
+                    <a:pt x="225" y="1753"/>
+                  </a:lnTo>
+                  <a:lnTo>
+                    <a:pt x="670" y="0"/>
+                  </a:lnTo>
+                  <a:lnTo>
+                    <a:pt x="430" y="0"/>
+                  </a:lnTo>
+                  <a:lnTo>
+                    <a:pt x="0" y="1696"/>
+                  </a:lnTo>
+                  <a:close/>
+                </a:path>
+              </a:pathLst>
+            </a:custGeom>
+            <a:solidFill>
+              <a:schemeClr val="accent1"/>
+            </a:solidFill>
+            <a:ln>
+              <a:noFill/>
+            </a:ln>
+          </p:spPr>
+        </p:sp>
+        <p:sp>
+          <p:nvSpPr>
+            <p:cNvPr id="25" name="Полилиния 7">
+              <a:extLst>
+                <a:ext uri="{FF2B5EF4-FFF2-40B4-BE49-F238E27FC236}">
+                  <a16:creationId xmlns:a16="http://schemas.microsoft.com/office/drawing/2014/main" id="{D6B38644-B85D-4211-9526-5B4C2A662BF7}"/>
+                </a:ext>
+                <a:ext uri="{C183D7F6-B498-43B3-948B-1728B52AA6E4}">
+                  <adec:decorative xmlns:adec="http://schemas.microsoft.com/office/drawing/2017/decorative" val="1"/>
+                </a:ext>
+              </a:extLst>
+            </p:cNvPr>
+            <p:cNvSpPr/>
+            <p:nvPr>
+              <p:extLst>
+                <p:ext uri="{386F3935-93C4-4BCD-93E2-E3B085C9AB24}">
+                  <p16:designElem xmlns:p16="http://schemas.microsoft.com/office/powerpoint/2015/main" val="1"/>
+                </p:ext>
+              </p:extLst>
+            </p:nvPr>
+          </p:nvSpPr>
+          <p:spPr bwMode="auto">
+            <a:xfrm>
+              <a:off x="2928938" y="-4763"/>
+              <a:ext cx="1035050" cy="2673350"/>
+            </a:xfrm>
+            <a:custGeom>
+              <a:avLst/>
+              <a:gdLst/>
+              <a:ahLst/>
+              <a:cxnLst/>
+              <a:rect l="0" t="0" r="r" b="b"/>
+              <a:pathLst>
+                <a:path w="652" h="1684">
+                  <a:moveTo>
+                    <a:pt x="225" y="1684"/>
+                  </a:moveTo>
+                  <a:lnTo>
+                    <a:pt x="652" y="0"/>
+                  </a:lnTo>
+                  <a:lnTo>
+                    <a:pt x="411" y="0"/>
+                  </a:lnTo>
+                  <a:lnTo>
+                    <a:pt x="0" y="1627"/>
+                  </a:lnTo>
+                  <a:lnTo>
+                    <a:pt x="219" y="1681"/>
+                  </a:lnTo>
+                  <a:lnTo>
+                    <a:pt x="225" y="1684"/>
+                  </a:lnTo>
+                  <a:close/>
+                </a:path>
+              </a:pathLst>
+            </a:custGeom>
+            <a:solidFill>
+              <a:srgbClr val="595959"/>
+            </a:solidFill>
+            <a:ln>
+              <a:noFill/>
+            </a:ln>
+          </p:spPr>
+        </p:sp>
+        <p:sp>
+          <p:nvSpPr>
+            <p:cNvPr id="26" name="Полилиния 12">
+              <a:extLst>
+                <a:ext uri="{FF2B5EF4-FFF2-40B4-BE49-F238E27FC236}">
+                  <a16:creationId xmlns:a16="http://schemas.microsoft.com/office/drawing/2014/main" id="{8A8B2820-6B8F-4C19-BFC5-D28EE44E54CB}"/>
+                </a:ext>
+                <a:ext uri="{C183D7F6-B498-43B3-948B-1728B52AA6E4}">
+                  <adec:decorative xmlns:adec="http://schemas.microsoft.com/office/drawing/2017/decorative" val="1"/>
+                </a:ext>
+              </a:extLst>
+            </p:cNvPr>
+            <p:cNvSpPr/>
+            <p:nvPr>
+              <p:extLst>
+                <p:ext uri="{386F3935-93C4-4BCD-93E2-E3B085C9AB24}">
+                  <p16:designElem xmlns:p16="http://schemas.microsoft.com/office/powerpoint/2015/main" val="1"/>
+                </p:ext>
+              </p:extLst>
+            </p:nvPr>
+          </p:nvSpPr>
+          <p:spPr bwMode="auto">
+            <a:xfrm>
+              <a:off x="2928938" y="2582862"/>
+              <a:ext cx="2693987" cy="4275138"/>
+            </a:xfrm>
+            <a:custGeom>
+              <a:avLst/>
+              <a:gdLst/>
+              <a:ahLst/>
+              <a:cxnLst/>
+              <a:rect l="0" t="0" r="r" b="b"/>
+              <a:pathLst>
+                <a:path w="1697" h="2693">
+                  <a:moveTo>
+                    <a:pt x="0" y="0"/>
+                  </a:moveTo>
+                  <a:lnTo>
+                    <a:pt x="1622" y="2693"/>
+                  </a:lnTo>
+                  <a:lnTo>
+                    <a:pt x="1697" y="2693"/>
+                  </a:lnTo>
+                  <a:lnTo>
+                    <a:pt x="0" y="0"/>
+                  </a:lnTo>
+                  <a:close/>
+                </a:path>
+              </a:pathLst>
+            </a:custGeom>
+            <a:solidFill>
+              <a:srgbClr val="262626"/>
+            </a:solidFill>
+            <a:ln>
+              <a:noFill/>
+            </a:ln>
+          </p:spPr>
+        </p:sp>
+        <p:sp>
+          <p:nvSpPr>
+            <p:cNvPr id="27" name="Полилиния 13">
+              <a:extLst>
+                <a:ext uri="{FF2B5EF4-FFF2-40B4-BE49-F238E27FC236}">
+                  <a16:creationId xmlns:a16="http://schemas.microsoft.com/office/drawing/2014/main" id="{773528ED-4D37-4A77-A8CA-86B6221C5E82}"/>
+                </a:ext>
+                <a:ext uri="{C183D7F6-B498-43B3-948B-1728B52AA6E4}">
+                  <adec:decorative xmlns:adec="http://schemas.microsoft.com/office/drawing/2017/decorative" val="1"/>
+                </a:ext>
+              </a:extLst>
+            </p:cNvPr>
+            <p:cNvSpPr/>
+            <p:nvPr>
+              <p:extLst>
+                <p:ext uri="{386F3935-93C4-4BCD-93E2-E3B085C9AB24}">
+                  <p16:designElem xmlns:p16="http://schemas.microsoft.com/office/powerpoint/2015/main" val="1"/>
+                </p:ext>
+              </p:extLst>
+            </p:nvPr>
+          </p:nvSpPr>
+          <p:spPr bwMode="auto">
+            <a:xfrm>
+              <a:off x="3371850" y="2692400"/>
+              <a:ext cx="3332162" cy="4165600"/>
+            </a:xfrm>
+            <a:custGeom>
+              <a:avLst/>
+              <a:gdLst/>
+              <a:ahLst/>
+              <a:cxnLst/>
+              <a:rect l="0" t="0" r="r" b="b"/>
+              <a:pathLst>
+                <a:path w="2099" h="2624">
+                  <a:moveTo>
+                    <a:pt x="2099" y="2624"/>
+                  </a:moveTo>
+                  <a:lnTo>
+                    <a:pt x="0" y="0"/>
+                  </a:lnTo>
+                  <a:lnTo>
+                    <a:pt x="2021" y="2624"/>
+                  </a:lnTo>
+                  <a:lnTo>
+                    <a:pt x="2099" y="2624"/>
+                  </a:lnTo>
+                  <a:close/>
+                </a:path>
+              </a:pathLst>
+            </a:custGeom>
+            <a:solidFill>
+              <a:schemeClr val="accent1">
+                <a:lumMod val="50000"/>
+              </a:schemeClr>
+            </a:solidFill>
+            <a:ln>
+              <a:noFill/>
+            </a:ln>
+          </p:spPr>
+        </p:sp>
+        <p:sp>
+          <p:nvSpPr>
+            <p:cNvPr id="28" name="Полилиния 14">
+              <a:extLst>
+                <a:ext uri="{FF2B5EF4-FFF2-40B4-BE49-F238E27FC236}">
+                  <a16:creationId xmlns:a16="http://schemas.microsoft.com/office/drawing/2014/main" id="{8A58A902-E944-4399-9A93-A91A6A82B166}"/>
+                </a:ext>
+                <a:ext uri="{C183D7F6-B498-43B3-948B-1728B52AA6E4}">
+                  <adec:decorative xmlns:adec="http://schemas.microsoft.com/office/drawing/2017/decorative" val="1"/>
+                </a:ext>
+              </a:extLst>
+            </p:cNvPr>
+            <p:cNvSpPr/>
+            <p:nvPr>
+              <p:extLst>
+                <p:ext uri="{386F3935-93C4-4BCD-93E2-E3B085C9AB24}">
+                  <p16:designElem xmlns:p16="http://schemas.microsoft.com/office/powerpoint/2015/main" val="1"/>
+                </p:ext>
+              </p:extLst>
+            </p:nvPr>
+          </p:nvSpPr>
+          <p:spPr bwMode="auto">
+            <a:xfrm>
+              <a:off x="3367088" y="2687637"/>
+              <a:ext cx="4576762" cy="4170363"/>
+            </a:xfrm>
+            <a:custGeom>
+              <a:avLst/>
+              <a:gdLst/>
+              <a:ahLst/>
+              <a:cxnLst/>
+              <a:rect l="0" t="0" r="r" b="b"/>
+              <a:pathLst>
+                <a:path w="2883" h="2627">
+                  <a:moveTo>
+                    <a:pt x="0" y="0"/>
+                  </a:moveTo>
+                  <a:lnTo>
+                    <a:pt x="3" y="3"/>
+                  </a:lnTo>
+                  <a:lnTo>
+                    <a:pt x="2102" y="2627"/>
+                  </a:lnTo>
+                  <a:lnTo>
+                    <a:pt x="2883" y="2627"/>
+                  </a:lnTo>
+                  <a:lnTo>
+                    <a:pt x="225" y="57"/>
+                  </a:lnTo>
+                  <a:lnTo>
+                    <a:pt x="0" y="0"/>
+                  </a:lnTo>
+                  <a:close/>
+                </a:path>
+              </a:pathLst>
+            </a:custGeom>
+            <a:solidFill>
+              <a:schemeClr val="accent1">
+                <a:lumMod val="75000"/>
+              </a:schemeClr>
+            </a:solidFill>
+            <a:ln>
+              <a:noFill/>
+            </a:ln>
+          </p:spPr>
+        </p:sp>
+        <p:sp>
+          <p:nvSpPr>
+            <p:cNvPr id="29" name="Полилиния 15">
+              <a:extLst>
+                <a:ext uri="{FF2B5EF4-FFF2-40B4-BE49-F238E27FC236}">
+                  <a16:creationId xmlns:a16="http://schemas.microsoft.com/office/drawing/2014/main" id="{4EDB1155-2E8E-4FB8-AD42-101FE4383231}"/>
+                </a:ext>
+                <a:ext uri="{C183D7F6-B498-43B3-948B-1728B52AA6E4}">
+                  <adec:decorative xmlns:adec="http://schemas.microsoft.com/office/drawing/2017/decorative" val="1"/>
+                </a:ext>
+              </a:extLst>
+            </p:cNvPr>
+            <p:cNvSpPr/>
+            <p:nvPr>
+              <p:extLst>
+                <p:ext uri="{386F3935-93C4-4BCD-93E2-E3B085C9AB24}">
+                  <p16:designElem xmlns:p16="http://schemas.microsoft.com/office/powerpoint/2015/main" val="1"/>
+                </p:ext>
+              </p:extLst>
+            </p:nvPr>
+          </p:nvSpPr>
+          <p:spPr bwMode="auto">
+            <a:xfrm>
+              <a:off x="2928938" y="2578100"/>
+              <a:ext cx="3584575" cy="4279900"/>
+            </a:xfrm>
+            <a:custGeom>
+              <a:avLst/>
+              <a:gdLst/>
+              <a:ahLst/>
+              <a:cxnLst/>
+              <a:rect l="0" t="0" r="r" b="b"/>
+              <a:pathLst>
+                <a:path w="2258" h="2696">
+                  <a:moveTo>
+                    <a:pt x="2258" y="2696"/>
+                  </a:moveTo>
+                  <a:lnTo>
+                    <a:pt x="264" y="111"/>
+                  </a:lnTo>
+                  <a:lnTo>
+                    <a:pt x="228" y="60"/>
+                  </a:lnTo>
+                  <a:lnTo>
+                    <a:pt x="225" y="57"/>
+                  </a:lnTo>
+                  <a:lnTo>
+                    <a:pt x="0" y="0"/>
+                  </a:lnTo>
+                  <a:lnTo>
+                    <a:pt x="0" y="3"/>
+                  </a:lnTo>
+                  <a:lnTo>
+                    <a:pt x="1697" y="2696"/>
+                  </a:lnTo>
+                  <a:lnTo>
+                    <a:pt x="2258" y="2696"/>
+                  </a:lnTo>
+                  <a:close/>
+                </a:path>
+              </a:pathLst>
+            </a:custGeom>
+            <a:solidFill>
+              <a:srgbClr val="404040"/>
+            </a:solidFill>
+            <a:ln>
+              <a:noFill/>
+            </a:ln>
+          </p:spPr>
+        </p:sp>
+      </p:grpSp>
+      <p:sp>
+        <p:nvSpPr>
+          <p:cNvPr id="2" name="Заголовок 1">
+            <a:extLst>
+              <a:ext uri="{FF2B5EF4-FFF2-40B4-BE49-F238E27FC236}">
+                <a16:creationId xmlns:a16="http://schemas.microsoft.com/office/drawing/2014/main" id="{C7492CCE-C435-464E-A19A-D4C606FDBE3D}"/>
+              </a:ext>
+            </a:extLst>
+          </p:cNvPr>
+          <p:cNvSpPr>
+            <a:spLocks noGrp="1"/>
+          </p:cNvSpPr>
+          <p:nvPr>
+            <p:ph type="title"/>
+          </p:nvPr>
+        </p:nvSpPr>
+        <p:spPr>
+          <a:xfrm>
+            <a:off x="1018191" y="685801"/>
+            <a:ext cx="10080020" cy="1549400"/>
+          </a:xfrm>
+        </p:spPr>
+        <p:txBody>
+          <a:bodyPr rtlCol="0">
+            <a:normAutofit fontScale="90000"/>
+          </a:bodyPr>
+          <a:lstStyle/>
+          <a:p>
+            <a:pPr algn="l"/>
+            <a:r>
+              <a:rPr lang="en-US" b="1" dirty="0">
+                <a:highlight>
+                  <a:srgbClr val="FF00FF"/>
+                </a:highlight>
+              </a:rPr>
+              <a:t>class</a:t>
+            </a:r>
+            <a:r>
               <a:rPr lang="en-US" b="1" dirty="0"/>
               <a:t> </a:t>
             </a:r>
@@ -11031,7 +11735,7 @@
 </p:sld>
 </file>
 
-<file path=ppt/slides/slide7.xml><?xml version="1.0" encoding="utf-8"?>
+<file path=ppt/slides/slide8.xml><?xml version="1.0" encoding="utf-8"?>
 <p:sld xmlns:a="http://schemas.openxmlformats.org/drawingml/2006/main" xmlns:r="http://schemas.openxmlformats.org/officeDocument/2006/relationships" xmlns:p="http://schemas.openxmlformats.org/presentationml/2006/main">
   <p:cSld>
     <p:bg>
@@ -12527,6 +13231,23 @@
 </file>
 
 <file path=customXml/item1.xml><?xml version="1.0" encoding="utf-8"?>
+<?mso-contentType ?>
+<FormTemplates xmlns="http://schemas.microsoft.com/sharepoint/v3/contenttype/forms">
+  <Display>DocumentLibraryForm</Display>
+  <Edit>DocumentLibraryForm</Edit>
+  <New>DocumentLibraryForm</New>
+</FormTemplates>
+</file>
+
+<file path=customXml/item2.xml><?xml version="1.0" encoding="utf-8"?>
+<p:properties xmlns:p="http://schemas.microsoft.com/office/2006/metadata/properties" xmlns:xsi="http://www.w3.org/2001/XMLSchema-instance" xmlns:pc="http://schemas.microsoft.com/office/infopath/2007/PartnerControls">
+  <documentManagement>
+    <MediaServiceKeyPoints xmlns="71af3243-3dd4-4a8d-8c0d-dd76da1f02a5" xsi:nil="true"/>
+  </documentManagement>
+</p:properties>
+</file>
+
+<file path=customXml/item3.xml><?xml version="1.0" encoding="utf-8"?>
 <ct:contentTypeSchema xmlns:ct="http://schemas.microsoft.com/office/2006/metadata/contentType" xmlns:ma="http://schemas.microsoft.com/office/2006/metadata/properties/metaAttributes" ct:_="" ma:_="" ma:contentTypeName="Document" ma:contentTypeID="0x01010079F111ED35F8CC479449609E8A0923A6" ma:contentTypeVersion="11" ma:contentTypeDescription="Create a new document." ma:contentTypeScope="" ma:versionID="9677210f24a1be23c92c90fd886aa0aa">
   <xsd:schema xmlns:xsd="http://www.w3.org/2001/XMLSchema" xmlns:xs="http://www.w3.org/2001/XMLSchema" xmlns:p="http://schemas.microsoft.com/office/2006/metadata/properties" xmlns:ns2="71af3243-3dd4-4a8d-8c0d-dd76da1f02a5" xmlns:ns3="16c05727-aa75-4e4a-9b5f-8a80a1165891" targetNamespace="http://schemas.microsoft.com/office/2006/metadata/properties" ma:root="true" ma:fieldsID="60e05723c5c1908df1a1a4ebf11d344e" ns2:_="" ns3:_="">
     <xsd:import namespace="71af3243-3dd4-4a8d-8c0d-dd76da1f02a5"/>
@@ -12737,38 +13458,10 @@
 </ct:contentTypeSchema>
 </file>
 
-<file path=customXml/item2.xml><?xml version="1.0" encoding="utf-8"?>
-<p:properties xmlns:p="http://schemas.microsoft.com/office/2006/metadata/properties" xmlns:xsi="http://www.w3.org/2001/XMLSchema-instance" xmlns:pc="http://schemas.microsoft.com/office/infopath/2007/PartnerControls">
-  <documentManagement>
-    <MediaServiceKeyPoints xmlns="71af3243-3dd4-4a8d-8c0d-dd76da1f02a5" xsi:nil="true"/>
-  </documentManagement>
-</p:properties>
-</file>
-
-<file path=customXml/item3.xml><?xml version="1.0" encoding="utf-8"?>
-<?mso-contentType ?>
-<FormTemplates xmlns="http://schemas.microsoft.com/sharepoint/v3/contenttype/forms">
-  <Display>DocumentLibraryForm</Display>
-  <Edit>DocumentLibraryForm</Edit>
-  <New>DocumentLibraryForm</New>
-</FormTemplates>
-</file>
-
 <file path=customXml/itemProps1.xml><?xml version="1.0" encoding="utf-8"?>
-<ds:datastoreItem xmlns:ds="http://schemas.openxmlformats.org/officeDocument/2006/customXml" ds:itemID="{627C19A7-3107-4CB2-BD0D-F7C79BE028CC}">
+<ds:datastoreItem xmlns:ds="http://schemas.openxmlformats.org/officeDocument/2006/customXml" ds:itemID="{33315AA3-EAE3-44ED-8368-BAC2FFFB4817}">
   <ds:schemaRefs>
-    <ds:schemaRef ds:uri="http://schemas.microsoft.com/office/2006/metadata/contentType"/>
-    <ds:schemaRef ds:uri="http://schemas.microsoft.com/office/2006/metadata/properties/metaAttributes"/>
-    <ds:schemaRef ds:uri="http://www.w3.org/2001/XMLSchema"/>
-    <ds:schemaRef ds:uri="http://schemas.microsoft.com/office/2006/metadata/properties"/>
-    <ds:schemaRef ds:uri="71af3243-3dd4-4a8d-8c0d-dd76da1f02a5"/>
-    <ds:schemaRef ds:uri="16c05727-aa75-4e4a-9b5f-8a80a1165891"/>
-    <ds:schemaRef ds:uri="http://schemas.microsoft.com/office/2006/documentManagement/types"/>
-    <ds:schemaRef ds:uri="http://schemas.microsoft.com/office/infopath/2007/PartnerControls"/>
-    <ds:schemaRef ds:uri="http://schemas.openxmlformats.org/package/2006/metadata/core-properties"/>
-    <ds:schemaRef ds:uri="http://purl.org/dc/elements/1.1/"/>
-    <ds:schemaRef ds:uri="http://purl.org/dc/terms/"/>
-    <ds:schemaRef ds:uri="http://schemas.microsoft.com/internal/obd"/>
+    <ds:schemaRef ds:uri="http://schemas.microsoft.com/sharepoint/v3/contenttype/forms"/>
   </ds:schemaRefs>
 </ds:datastoreItem>
 </file>
@@ -12791,9 +13484,20 @@
 </file>
 
 <file path=customXml/itemProps3.xml><?xml version="1.0" encoding="utf-8"?>
-<ds:datastoreItem xmlns:ds="http://schemas.openxmlformats.org/officeDocument/2006/customXml" ds:itemID="{33315AA3-EAE3-44ED-8368-BAC2FFFB4817}">
+<ds:datastoreItem xmlns:ds="http://schemas.openxmlformats.org/officeDocument/2006/customXml" ds:itemID="{627C19A7-3107-4CB2-BD0D-F7C79BE028CC}">
   <ds:schemaRefs>
-    <ds:schemaRef ds:uri="http://schemas.microsoft.com/sharepoint/v3/contenttype/forms"/>
+    <ds:schemaRef ds:uri="http://schemas.microsoft.com/office/2006/metadata/contentType"/>
+    <ds:schemaRef ds:uri="http://schemas.microsoft.com/office/2006/metadata/properties/metaAttributes"/>
+    <ds:schemaRef ds:uri="http://www.w3.org/2001/XMLSchema"/>
+    <ds:schemaRef ds:uri="http://schemas.microsoft.com/office/2006/metadata/properties"/>
+    <ds:schemaRef ds:uri="71af3243-3dd4-4a8d-8c0d-dd76da1f02a5"/>
+    <ds:schemaRef ds:uri="16c05727-aa75-4e4a-9b5f-8a80a1165891"/>
+    <ds:schemaRef ds:uri="http://schemas.microsoft.com/office/2006/documentManagement/types"/>
+    <ds:schemaRef ds:uri="http://schemas.microsoft.com/office/infopath/2007/PartnerControls"/>
+    <ds:schemaRef ds:uri="http://schemas.openxmlformats.org/package/2006/metadata/core-properties"/>
+    <ds:schemaRef ds:uri="http://purl.org/dc/elements/1.1/"/>
+    <ds:schemaRef ds:uri="http://purl.org/dc/terms/"/>
+    <ds:schemaRef ds:uri="http://schemas.microsoft.com/internal/obd"/>
   </ds:schemaRefs>
 </ds:datastoreItem>
 </file>